--- a/docs/diagrams/ListExpenseSequenceDiagram.pptx
+++ b/docs/diagrams/ListExpenseSequenceDiagram.pptx
@@ -208,7 +208,7 @@
           <a:p>
             <a:fld id="{F5CC4B3F-88C1-4FFA-B1B6-F41C21DC6924}" type="datetimeFigureOut">
               <a:rPr lang="en-US" smtClean="0"/>
-              <a:t>3/19/19</a:t>
+              <a:t>4/9/19</a:t>
             </a:fld>
             <a:endParaRPr lang="en-US"/>
           </a:p>
@@ -738,7 +738,7 @@
           <a:p>
             <a:fld id="{78C97017-6FC3-485B-9764-EAC9E56C1D49}" type="datetimeFigureOut">
               <a:rPr lang="en-US" smtClean="0"/>
-              <a:t>3/19/19</a:t>
+              <a:t>4/9/19</a:t>
             </a:fld>
             <a:endParaRPr lang="en-US"/>
           </a:p>
@@ -906,7 +906,7 @@
           <a:p>
             <a:fld id="{78C97017-6FC3-485B-9764-EAC9E56C1D49}" type="datetimeFigureOut">
               <a:rPr lang="en-US" smtClean="0"/>
-              <a:t>3/19/19</a:t>
+              <a:t>4/9/19</a:t>
             </a:fld>
             <a:endParaRPr lang="en-US"/>
           </a:p>
@@ -1084,7 +1084,7 @@
           <a:p>
             <a:fld id="{78C97017-6FC3-485B-9764-EAC9E56C1D49}" type="datetimeFigureOut">
               <a:rPr lang="en-US" smtClean="0"/>
-              <a:t>3/19/19</a:t>
+              <a:t>4/9/19</a:t>
             </a:fld>
             <a:endParaRPr lang="en-US"/>
           </a:p>
@@ -1252,7 +1252,7 @@
           <a:p>
             <a:fld id="{78C97017-6FC3-485B-9764-EAC9E56C1D49}" type="datetimeFigureOut">
               <a:rPr lang="en-US" smtClean="0"/>
-              <a:t>3/19/19</a:t>
+              <a:t>4/9/19</a:t>
             </a:fld>
             <a:endParaRPr lang="en-US"/>
           </a:p>
@@ -1497,7 +1497,7 @@
           <a:p>
             <a:fld id="{78C97017-6FC3-485B-9764-EAC9E56C1D49}" type="datetimeFigureOut">
               <a:rPr lang="en-US" smtClean="0"/>
-              <a:t>3/19/19</a:t>
+              <a:t>4/9/19</a:t>
             </a:fld>
             <a:endParaRPr lang="en-US"/>
           </a:p>
@@ -1782,7 +1782,7 @@
           <a:p>
             <a:fld id="{78C97017-6FC3-485B-9764-EAC9E56C1D49}" type="datetimeFigureOut">
               <a:rPr lang="en-US" smtClean="0"/>
-              <a:t>3/19/19</a:t>
+              <a:t>4/9/19</a:t>
             </a:fld>
             <a:endParaRPr lang="en-US"/>
           </a:p>
@@ -2201,7 +2201,7 @@
           <a:p>
             <a:fld id="{78C97017-6FC3-485B-9764-EAC9E56C1D49}" type="datetimeFigureOut">
               <a:rPr lang="en-US" smtClean="0"/>
-              <a:t>3/19/19</a:t>
+              <a:t>4/9/19</a:t>
             </a:fld>
             <a:endParaRPr lang="en-US"/>
           </a:p>
@@ -2318,7 +2318,7 @@
           <a:p>
             <a:fld id="{78C97017-6FC3-485B-9764-EAC9E56C1D49}" type="datetimeFigureOut">
               <a:rPr lang="en-US" smtClean="0"/>
-              <a:t>3/19/19</a:t>
+              <a:t>4/9/19</a:t>
             </a:fld>
             <a:endParaRPr lang="en-US"/>
           </a:p>
@@ -2413,7 +2413,7 @@
           <a:p>
             <a:fld id="{78C97017-6FC3-485B-9764-EAC9E56C1D49}" type="datetimeFigureOut">
               <a:rPr lang="en-US" smtClean="0"/>
-              <a:t>3/19/19</a:t>
+              <a:t>4/9/19</a:t>
             </a:fld>
             <a:endParaRPr lang="en-US"/>
           </a:p>
@@ -2688,7 +2688,7 @@
           <a:p>
             <a:fld id="{78C97017-6FC3-485B-9764-EAC9E56C1D49}" type="datetimeFigureOut">
               <a:rPr lang="en-US" smtClean="0"/>
-              <a:t>3/19/19</a:t>
+              <a:t>4/9/19</a:t>
             </a:fld>
             <a:endParaRPr lang="en-US"/>
           </a:p>
@@ -2940,7 +2940,7 @@
           <a:p>
             <a:fld id="{78C97017-6FC3-485B-9764-EAC9E56C1D49}" type="datetimeFigureOut">
               <a:rPr lang="en-US" smtClean="0"/>
-              <a:t>3/19/19</a:t>
+              <a:t>4/9/19</a:t>
             </a:fld>
             <a:endParaRPr lang="en-US"/>
           </a:p>
@@ -3151,7 +3151,7 @@
           <a:p>
             <a:fld id="{78C97017-6FC3-485B-9764-EAC9E56C1D49}" type="datetimeFigureOut">
               <a:rPr lang="en-US" smtClean="0"/>
-              <a:t>3/19/19</a:t>
+              <a:t>4/9/19</a:t>
             </a:fld>
             <a:endParaRPr lang="en-US"/>
           </a:p>
@@ -4089,8 +4089,8 @@
         </p:nvSpPr>
         <p:spPr>
           <a:xfrm>
-            <a:off x="382660" y="914389"/>
-            <a:ext cx="2436740" cy="307777"/>
+            <a:off x="503204" y="942201"/>
+            <a:ext cx="1096996" cy="276999"/>
           </a:xfrm>
           <a:prstGeom prst="rect">
             <a:avLst/>
@@ -4104,7 +4104,7 @@
           <a:lstStyle/>
           <a:p>
             <a:r>
-              <a:rPr lang="en-US" sz="1000" dirty="0">
+              <a:rPr lang="en-US" sz="900" dirty="0">
                 <a:solidFill>
                   <a:srgbClr val="0070C0"/>
                 </a:solidFill>
@@ -4114,7 +4114,7 @@
           </a:p>
           <a:p>
             <a:r>
-              <a:rPr lang="en-US" sz="1000" dirty="0">
+              <a:rPr lang="en-US" sz="900" dirty="0">
                 <a:solidFill>
                   <a:srgbClr val="0070C0"/>
                 </a:solidFill>
@@ -4122,7 +4122,7 @@
               <a:t>(“</a:t>
             </a:r>
             <a:r>
-              <a:rPr lang="en-US" sz="1000" dirty="0" err="1">
+              <a:rPr lang="en-US" sz="900" dirty="0" err="1">
                 <a:solidFill>
                   <a:srgbClr val="0070C0"/>
                 </a:solidFill>
@@ -4130,7 +4130,7 @@
               <a:t>listexpense</a:t>
             </a:r>
             <a:r>
-              <a:rPr lang="en-US" sz="1000" dirty="0">
+              <a:rPr lang="en-US" sz="900" dirty="0">
                 <a:solidFill>
                   <a:srgbClr val="0070C0"/>
                 </a:solidFill>
@@ -4390,8 +4390,8 @@
         </p:nvSpPr>
         <p:spPr>
           <a:xfrm>
-            <a:off x="8152416" y="4978467"/>
-            <a:ext cx="2210784" cy="203133"/>
+            <a:off x="8234199" y="4996060"/>
+            <a:ext cx="1797543" cy="153888"/>
           </a:xfrm>
           <a:prstGeom prst="rect">
             <a:avLst/>
@@ -4416,7 +4416,7 @@
           </a:lstStyle>
           <a:p>
             <a:r>
-              <a:rPr lang="en-US" sz="1200" dirty="0" err="1">
+              <a:rPr lang="en-US" sz="1000" dirty="0" err="1">
                 <a:solidFill>
                   <a:schemeClr val="accent4">
                     <a:lumMod val="75000"/>
@@ -4426,7 +4426,7 @@
               <a:t>updateFilteredExpense</a:t>
             </a:r>
             <a:r>
-              <a:rPr lang="en-US" sz="1200" dirty="0">
+              <a:rPr lang="en-US" sz="1000" dirty="0">
                 <a:solidFill>
                   <a:schemeClr val="accent4">
                     <a:lumMod val="75000"/>
@@ -4435,7 +4435,7 @@
               </a:rPr>
               <a:t>(predicate)</a:t>
             </a:r>
-            <a:endParaRPr lang="en-US" sz="1200" dirty="0"/>
+            <a:endParaRPr lang="en-US" sz="1000" dirty="0"/>
           </a:p>
         </p:txBody>
       </p:sp>
@@ -4447,8 +4447,8 @@
         </p:nvSpPr>
         <p:spPr>
           <a:xfrm>
-            <a:off x="1812071" y="1217712"/>
-            <a:ext cx="2074129" cy="153888"/>
+            <a:off x="1752600" y="1219200"/>
+            <a:ext cx="2074129" cy="123111"/>
           </a:xfrm>
           <a:prstGeom prst="rect">
             <a:avLst/>
@@ -4474,19 +4474,19 @@
           <a:p>
             <a:pPr algn="l"/>
             <a:r>
-              <a:rPr lang="en-US" sz="1000" dirty="0" err="1"/>
+              <a:rPr lang="en-US" sz="800" dirty="0" err="1"/>
               <a:t>parseCommand</a:t>
             </a:r>
             <a:r>
-              <a:rPr lang="en-US" sz="1000" dirty="0"/>
+              <a:rPr lang="en-US" sz="800" dirty="0"/>
               <a:t>(“</a:t>
             </a:r>
             <a:r>
-              <a:rPr lang="en-US" sz="1000" dirty="0" err="1"/>
+              <a:rPr lang="en-US" sz="800" dirty="0" err="1"/>
               <a:t>listexpense</a:t>
             </a:r>
             <a:r>
-              <a:rPr lang="en-US" sz="1000" dirty="0"/>
+              <a:rPr lang="en-US" sz="800" dirty="0"/>
               <a:t> v/food”)</a:t>
             </a:r>
           </a:p>
@@ -5114,8 +5114,8 @@
         </p:nvSpPr>
         <p:spPr>
           <a:xfrm>
-            <a:off x="6054147" y="2130623"/>
-            <a:ext cx="1642053" cy="307777"/>
+            <a:off x="5867400" y="2286000"/>
+            <a:ext cx="1398675" cy="123719"/>
           </a:xfrm>
           <a:prstGeom prst="rect">
             <a:avLst/>
@@ -5141,7 +5141,7 @@
           <a:p>
             <a:pPr algn="l"/>
             <a:r>
-              <a:rPr lang="en-US" sz="1000" dirty="0"/>
+              <a:rPr lang="en-US" sz="800" dirty="0"/>
               <a:t>tokenize(“v/food”, PREFIX_VIEW)</a:t>
             </a:r>
           </a:p>
@@ -6172,7 +6172,7 @@
         <p:spPr>
           <a:xfrm>
             <a:off x="5900895" y="4037112"/>
-            <a:ext cx="1490505" cy="153888"/>
+            <a:ext cx="1490505" cy="138499"/>
           </a:xfrm>
           <a:prstGeom prst="rect">
             <a:avLst/>
@@ -6198,11 +6198,11 @@
           <a:p>
             <a:pPr algn="l"/>
             <a:r>
-              <a:rPr lang="en-US" sz="1000" dirty="0" err="1"/>
+              <a:rPr lang="en-US" sz="900" dirty="0" err="1"/>
               <a:t>ListExpenseCommand</a:t>
             </a:r>
             <a:r>
-              <a:rPr lang="en-US" sz="1000" dirty="0"/>
+              <a:rPr lang="en-US" sz="900" dirty="0"/>
               <a:t>(view)</a:t>
             </a:r>
           </a:p>

--- a/docs/diagrams/ListExpenseSequenceDiagram.pptx
+++ b/docs/diagrams/ListExpenseSequenceDiagram.pptx
@@ -4390,8 +4390,8 @@
         </p:nvSpPr>
         <p:spPr>
           <a:xfrm>
-            <a:off x="8234199" y="4996060"/>
-            <a:ext cx="1797543" cy="153888"/>
+            <a:off x="8382001" y="4933018"/>
+            <a:ext cx="1923173" cy="153888"/>
           </a:xfrm>
           <a:prstGeom prst="rect">
             <a:avLst/>
@@ -4415,6 +4415,7 @@
             </a:lvl1pPr>
           </a:lstStyle>
           <a:p>
+            <a:pPr algn="l"/>
             <a:r>
               <a:rPr lang="en-US" sz="1000" dirty="0" err="1">
                 <a:solidFill>
@@ -5114,8 +5115,8 @@
         </p:nvSpPr>
         <p:spPr>
           <a:xfrm>
-            <a:off x="5867400" y="2286000"/>
-            <a:ext cx="1398675" cy="123719"/>
+            <a:off x="5992725" y="2057400"/>
+            <a:ext cx="1398675" cy="307777"/>
           </a:xfrm>
           <a:prstGeom prst="rect">
             <a:avLst/>
@@ -5141,7 +5142,7 @@
           <a:p>
             <a:pPr algn="l"/>
             <a:r>
-              <a:rPr lang="en-US" sz="800" dirty="0"/>
+              <a:rPr lang="en-US" sz="1000" dirty="0"/>
               <a:t>tokenize(“v/food”, PREFIX_VIEW)</a:t>
             </a:r>
           </a:p>

--- a/docs/diagrams/ListExpenseSequenceDiagram.pptx
+++ b/docs/diagrams/ListExpenseSequenceDiagram.pptx
@@ -208,7 +208,7 @@
           <a:p>
             <a:fld id="{F5CC4B3F-88C1-4FFA-B1B6-F41C21DC6924}" type="datetimeFigureOut">
               <a:rPr lang="en-US" smtClean="0"/>
-              <a:t>4/9/19</a:t>
+              <a:t>4/10/19</a:t>
             </a:fld>
             <a:endParaRPr lang="en-US"/>
           </a:p>
@@ -738,7 +738,7 @@
           <a:p>
             <a:fld id="{78C97017-6FC3-485B-9764-EAC9E56C1D49}" type="datetimeFigureOut">
               <a:rPr lang="en-US" smtClean="0"/>
-              <a:t>4/9/19</a:t>
+              <a:t>4/10/19</a:t>
             </a:fld>
             <a:endParaRPr lang="en-US"/>
           </a:p>
@@ -906,7 +906,7 @@
           <a:p>
             <a:fld id="{78C97017-6FC3-485B-9764-EAC9E56C1D49}" type="datetimeFigureOut">
               <a:rPr lang="en-US" smtClean="0"/>
-              <a:t>4/9/19</a:t>
+              <a:t>4/10/19</a:t>
             </a:fld>
             <a:endParaRPr lang="en-US"/>
           </a:p>
@@ -1084,7 +1084,7 @@
           <a:p>
             <a:fld id="{78C97017-6FC3-485B-9764-EAC9E56C1D49}" type="datetimeFigureOut">
               <a:rPr lang="en-US" smtClean="0"/>
-              <a:t>4/9/19</a:t>
+              <a:t>4/10/19</a:t>
             </a:fld>
             <a:endParaRPr lang="en-US"/>
           </a:p>
@@ -1252,7 +1252,7 @@
           <a:p>
             <a:fld id="{78C97017-6FC3-485B-9764-EAC9E56C1D49}" type="datetimeFigureOut">
               <a:rPr lang="en-US" smtClean="0"/>
-              <a:t>4/9/19</a:t>
+              <a:t>4/10/19</a:t>
             </a:fld>
             <a:endParaRPr lang="en-US"/>
           </a:p>
@@ -1497,7 +1497,7 @@
           <a:p>
             <a:fld id="{78C97017-6FC3-485B-9764-EAC9E56C1D49}" type="datetimeFigureOut">
               <a:rPr lang="en-US" smtClean="0"/>
-              <a:t>4/9/19</a:t>
+              <a:t>4/10/19</a:t>
             </a:fld>
             <a:endParaRPr lang="en-US"/>
           </a:p>
@@ -1782,7 +1782,7 @@
           <a:p>
             <a:fld id="{78C97017-6FC3-485B-9764-EAC9E56C1D49}" type="datetimeFigureOut">
               <a:rPr lang="en-US" smtClean="0"/>
-              <a:t>4/9/19</a:t>
+              <a:t>4/10/19</a:t>
             </a:fld>
             <a:endParaRPr lang="en-US"/>
           </a:p>
@@ -2201,7 +2201,7 @@
           <a:p>
             <a:fld id="{78C97017-6FC3-485B-9764-EAC9E56C1D49}" type="datetimeFigureOut">
               <a:rPr lang="en-US" smtClean="0"/>
-              <a:t>4/9/19</a:t>
+              <a:t>4/10/19</a:t>
             </a:fld>
             <a:endParaRPr lang="en-US"/>
           </a:p>
@@ -2318,7 +2318,7 @@
           <a:p>
             <a:fld id="{78C97017-6FC3-485B-9764-EAC9E56C1D49}" type="datetimeFigureOut">
               <a:rPr lang="en-US" smtClean="0"/>
-              <a:t>4/9/19</a:t>
+              <a:t>4/10/19</a:t>
             </a:fld>
             <a:endParaRPr lang="en-US"/>
           </a:p>
@@ -2413,7 +2413,7 @@
           <a:p>
             <a:fld id="{78C97017-6FC3-485B-9764-EAC9E56C1D49}" type="datetimeFigureOut">
               <a:rPr lang="en-US" smtClean="0"/>
-              <a:t>4/9/19</a:t>
+              <a:t>4/10/19</a:t>
             </a:fld>
             <a:endParaRPr lang="en-US"/>
           </a:p>
@@ -2688,7 +2688,7 @@
           <a:p>
             <a:fld id="{78C97017-6FC3-485B-9764-EAC9E56C1D49}" type="datetimeFigureOut">
               <a:rPr lang="en-US" smtClean="0"/>
-              <a:t>4/9/19</a:t>
+              <a:t>4/10/19</a:t>
             </a:fld>
             <a:endParaRPr lang="en-US"/>
           </a:p>
@@ -2940,7 +2940,7 @@
           <a:p>
             <a:fld id="{78C97017-6FC3-485B-9764-EAC9E56C1D49}" type="datetimeFigureOut">
               <a:rPr lang="en-US" smtClean="0"/>
-              <a:t>4/9/19</a:t>
+              <a:t>4/10/19</a:t>
             </a:fld>
             <a:endParaRPr lang="en-US"/>
           </a:p>
@@ -3151,7 +3151,7 @@
           <a:p>
             <a:fld id="{78C97017-6FC3-485B-9764-EAC9E56C1D49}" type="datetimeFigureOut">
               <a:rPr lang="en-US" smtClean="0"/>
-              <a:t>4/9/19</a:t>
+              <a:t>4/10/19</a:t>
             </a:fld>
             <a:endParaRPr lang="en-US"/>
           </a:p>
@@ -5446,22 +5446,14 @@
           <a:p>
             <a:pPr algn="ctr"/>
             <a:r>
-              <a:rPr lang="en-US" sz="1600" dirty="0">
+              <a:rPr lang="en-US" sz="1050" dirty="0" err="1">
                 <a:solidFill>
                   <a:schemeClr val="bg1"/>
                 </a:solidFill>
               </a:rPr>
-              <a:t>:</a:t>
-            </a:r>
-            <a:r>
-              <a:rPr lang="en-US" sz="1600" dirty="0" err="1">
-                <a:solidFill>
-                  <a:schemeClr val="bg1"/>
-                </a:solidFill>
-              </a:rPr>
-              <a:t>CommandResult</a:t>
-            </a:r>
-            <a:endParaRPr lang="en-SG" sz="1600" dirty="0">
+              <a:t>result:CommandResult</a:t>
+            </a:r>
+            <a:endParaRPr lang="en-SG" sz="1050" dirty="0">
               <a:solidFill>
                 <a:schemeClr val="bg1"/>
               </a:solidFill>
